--- a/WireFrame/Wireframe_Tablet.pptx
+++ b/WireFrame/Wireframe_Tablet.pptx
@@ -14,7 +14,6 @@
     <p:sldId id="270" r:id="rId8"/>
     <p:sldId id="271" r:id="rId9"/>
     <p:sldId id="272" r:id="rId10"/>
-    <p:sldId id="261" r:id="rId11"/>
   </p:sldIdLst>
   <p:sldSz cx="12192000" cy="6858000"/>
   <p:notesSz cx="6858000" cy="9144000"/>
@@ -3094,7 +3093,6 @@
               <a:rPr lang="es-ES" sz="3200" b="1" dirty="0" smtClean="0"/>
               <a:t>768x1024</a:t>
             </a:r>
-            <a:endParaRPr lang="es-ES" sz="3200" b="1" dirty="0" smtClean="0"/>
           </a:p>
         </p:txBody>
       </p:sp>
@@ -3485,15 +3483,7 @@
           <a:p>
             <a:r>
               <a:rPr lang="es-ES" dirty="0" smtClean="0"/>
-              <a:t>Escala 1px = </a:t>
-            </a:r>
-            <a:r>
-              <a:rPr lang="es-ES" dirty="0" smtClean="0"/>
-              <a:t>0,015 </a:t>
-            </a:r>
-            <a:r>
-              <a:rPr lang="es-ES" dirty="0" smtClean="0"/>
-              <a:t>cm</a:t>
+              <a:t>Escala 1px = 0,015 cm</a:t>
             </a:r>
             <a:endParaRPr lang="es-ES" dirty="0"/>
           </a:p>
@@ -3538,11 +3528,7 @@
               <a:pPr algn="ctr"/>
               <a:r>
                 <a:rPr lang="es-ES" sz="1100" dirty="0" smtClean="0"/>
-                <a:t>Nombre </a:t>
-              </a:r>
-              <a:r>
-                <a:rPr lang="es-ES" sz="1100" dirty="0" smtClean="0"/>
-                <a:t>Articulo</a:t>
+                <a:t>Nombre Articulo</a:t>
               </a:r>
             </a:p>
             <a:p>
@@ -3730,11 +3716,7 @@
               <a:pPr algn="ctr"/>
               <a:r>
                 <a:rPr lang="es-ES" sz="1100" dirty="0" smtClean="0"/>
-                <a:t>Nombre </a:t>
-              </a:r>
-              <a:r>
-                <a:rPr lang="es-ES" sz="1100" dirty="0" smtClean="0"/>
-                <a:t>Articulo</a:t>
+                <a:t>Nombre Articulo</a:t>
               </a:r>
             </a:p>
             <a:p>
@@ -3772,11 +3754,7 @@
               <a:pPr algn="ctr"/>
               <a:r>
                 <a:rPr lang="es-ES" sz="1100" dirty="0" smtClean="0"/>
-                <a:t>Nombre </a:t>
-              </a:r>
-              <a:r>
-                <a:rPr lang="es-ES" sz="1100" dirty="0" smtClean="0"/>
-                <a:t>Articulo</a:t>
+                <a:t>Nombre Articulo</a:t>
               </a:r>
             </a:p>
             <a:p>
@@ -4017,11 +3995,7 @@
               <a:pPr algn="ctr"/>
               <a:r>
                 <a:rPr lang="es-ES" sz="1100" dirty="0" smtClean="0"/>
-                <a:t>Nombre </a:t>
-              </a:r>
-              <a:r>
-                <a:rPr lang="es-ES" sz="1100" dirty="0" smtClean="0"/>
-                <a:t>Articulo</a:t>
+                <a:t>Nombre Articulo</a:t>
               </a:r>
             </a:p>
             <a:p>
@@ -4209,11 +4183,7 @@
               <a:pPr algn="ctr"/>
               <a:r>
                 <a:rPr lang="es-ES" sz="1100" dirty="0" smtClean="0"/>
-                <a:t>Nombre </a:t>
-              </a:r>
-              <a:r>
-                <a:rPr lang="es-ES" sz="1100" dirty="0" smtClean="0"/>
-                <a:t>Articulo</a:t>
+                <a:t>Nombre Articulo</a:t>
               </a:r>
             </a:p>
             <a:p>
@@ -4251,11 +4221,7 @@
               <a:pPr algn="ctr"/>
               <a:r>
                 <a:rPr lang="es-ES" sz="1100" dirty="0" smtClean="0"/>
-                <a:t>Nombre </a:t>
-              </a:r>
-              <a:r>
-                <a:rPr lang="es-ES" sz="1100" dirty="0" smtClean="0"/>
-                <a:t>Articulo</a:t>
+                <a:t>Nombre Articulo</a:t>
               </a:r>
             </a:p>
             <a:p>
@@ -4308,11 +4274,7 @@
               <a:pPr algn="ctr"/>
               <a:r>
                 <a:rPr lang="es-ES" sz="1100" dirty="0" smtClean="0"/>
-                <a:t>Nombre </a:t>
-              </a:r>
-              <a:r>
-                <a:rPr lang="es-ES" sz="1100" dirty="0" smtClean="0"/>
-                <a:t>Articulo</a:t>
+                <a:t>Nombre Articulo</a:t>
               </a:r>
             </a:p>
             <a:p>
@@ -4500,11 +4462,7 @@
               <a:pPr algn="ctr"/>
               <a:r>
                 <a:rPr lang="es-ES" sz="1100" dirty="0" smtClean="0"/>
-                <a:t>Nombre </a:t>
-              </a:r>
-              <a:r>
-                <a:rPr lang="es-ES" sz="1100" dirty="0" smtClean="0"/>
-                <a:t>Articulo</a:t>
+                <a:t>Nombre Articulo</a:t>
               </a:r>
             </a:p>
             <a:p>
@@ -4542,11 +4500,7 @@
               <a:pPr algn="ctr"/>
               <a:r>
                 <a:rPr lang="es-ES" sz="1100" dirty="0" smtClean="0"/>
-                <a:t>Nombre </a:t>
-              </a:r>
-              <a:r>
-                <a:rPr lang="es-ES" sz="1100" dirty="0" smtClean="0"/>
-                <a:t>Articulo</a:t>
+                <a:t>Nombre Articulo</a:t>
               </a:r>
             </a:p>
             <a:p>
@@ -4887,1677 +4841,6 @@
 </p:sld>
 </file>
 
-<file path=ppt/slides/slide10.xml><?xml version="1.0" encoding="utf-8"?>
-<p:sld xmlns:a="http://schemas.openxmlformats.org/drawingml/2006/main" xmlns:r="http://schemas.openxmlformats.org/officeDocument/2006/relationships" xmlns:p="http://schemas.openxmlformats.org/presentationml/2006/main">
-  <p:cSld>
-    <p:spTree>
-      <p:nvGrpSpPr>
-        <p:cNvPr id="1" name=""/>
-        <p:cNvGrpSpPr/>
-        <p:nvPr/>
-      </p:nvGrpSpPr>
-      <p:grpSpPr>
-        <a:xfrm>
-          <a:off x="0" y="0"/>
-          <a:ext cx="0" cy="0"/>
-          <a:chOff x="0" y="0"/>
-          <a:chExt cx="0" cy="0"/>
-        </a:xfrm>
-      </p:grpSpPr>
-      <p:sp>
-        <p:nvSpPr>
-          <p:cNvPr id="4" name="Rectángulo 3"/>
-          <p:cNvSpPr/>
-          <p:nvPr/>
-        </p:nvSpPr>
-        <p:spPr>
-          <a:xfrm>
-            <a:off x="2754690" y="1452524"/>
-            <a:ext cx="3456000" cy="5184000"/>
-          </a:xfrm>
-          <a:prstGeom prst="rect">
-            <a:avLst/>
-          </a:prstGeom>
-        </p:spPr>
-        <p:style>
-          <a:lnRef idx="2">
-            <a:schemeClr val="dk1"/>
-          </a:lnRef>
-          <a:fillRef idx="1">
-            <a:schemeClr val="lt1"/>
-          </a:fillRef>
-          <a:effectRef idx="0">
-            <a:schemeClr val="dk1"/>
-          </a:effectRef>
-          <a:fontRef idx="minor">
-            <a:schemeClr val="dk1"/>
-          </a:fontRef>
-        </p:style>
-        <p:txBody>
-          <a:bodyPr rtlCol="0" anchor="ctr"/>
-          <a:lstStyle/>
-          <a:p>
-            <a:pPr algn="ctr"/>
-            <a:endParaRPr lang="es-ES" dirty="0"/>
-          </a:p>
-        </p:txBody>
-      </p:sp>
-      <p:sp>
-        <p:nvSpPr>
-          <p:cNvPr id="66" name="Rectángulo 65"/>
-          <p:cNvSpPr/>
-          <p:nvPr/>
-        </p:nvSpPr>
-        <p:spPr>
-          <a:xfrm>
-            <a:off x="2754690" y="1452524"/>
-            <a:ext cx="3456001" cy="1405210"/>
-          </a:xfrm>
-          <a:prstGeom prst="rect">
-            <a:avLst/>
-          </a:prstGeom>
-          <a:solidFill>
-            <a:schemeClr val="bg1">
-              <a:lumMod val="85000"/>
-              <a:alpha val="58000"/>
-            </a:schemeClr>
-          </a:solidFill>
-        </p:spPr>
-        <p:style>
-          <a:lnRef idx="1">
-            <a:schemeClr val="accent3"/>
-          </a:lnRef>
-          <a:fillRef idx="2">
-            <a:schemeClr val="accent3"/>
-          </a:fillRef>
-          <a:effectRef idx="1">
-            <a:schemeClr val="accent3"/>
-          </a:effectRef>
-          <a:fontRef idx="minor">
-            <a:schemeClr val="dk1"/>
-          </a:fontRef>
-        </p:style>
-        <p:txBody>
-          <a:bodyPr rtlCol="0" anchor="ctr"/>
-          <a:lstStyle/>
-          <a:p>
-            <a:pPr algn="ctr"/>
-            <a:endParaRPr lang="es-ES" sz="1100" dirty="0"/>
-          </a:p>
-        </p:txBody>
-      </p:sp>
-      <p:sp>
-        <p:nvSpPr>
-          <p:cNvPr id="5" name="CuadroTexto 4"/>
-          <p:cNvSpPr txBox="1"/>
-          <p:nvPr/>
-        </p:nvSpPr>
-        <p:spPr>
-          <a:xfrm>
-            <a:off x="1195037" y="-2654"/>
-            <a:ext cx="1774845" cy="1077218"/>
-          </a:xfrm>
-          <a:prstGeom prst="rect">
-            <a:avLst/>
-          </a:prstGeom>
-          <a:noFill/>
-        </p:spPr>
-        <p:txBody>
-          <a:bodyPr wrap="none" rtlCol="0">
-            <a:spAutoFit/>
-          </a:bodyPr>
-          <a:lstStyle/>
-          <a:p>
-            <a:pPr algn="ctr"/>
-            <a:r>
-              <a:rPr lang="es-ES" sz="3200" dirty="0" smtClean="0"/>
-              <a:t>Mensajes</a:t>
-            </a:r>
-          </a:p>
-          <a:p>
-            <a:pPr algn="ctr"/>
-            <a:r>
-              <a:rPr lang="es-ES" sz="3200" b="1" dirty="0" smtClean="0"/>
-              <a:t>320x480</a:t>
-            </a:r>
-          </a:p>
-        </p:txBody>
-      </p:sp>
-      <p:sp>
-        <p:nvSpPr>
-          <p:cNvPr id="14" name="Rectángulo 13"/>
-          <p:cNvSpPr/>
-          <p:nvPr/>
-        </p:nvSpPr>
-        <p:spPr>
-          <a:xfrm>
-            <a:off x="2951638" y="1685228"/>
-            <a:ext cx="1696248" cy="639780"/>
-          </a:xfrm>
-          <a:prstGeom prst="rect">
-            <a:avLst/>
-          </a:prstGeom>
-        </p:spPr>
-        <p:style>
-          <a:lnRef idx="2">
-            <a:schemeClr val="dk1"/>
-          </a:lnRef>
-          <a:fillRef idx="1">
-            <a:schemeClr val="lt1"/>
-          </a:fillRef>
-          <a:effectRef idx="0">
-            <a:schemeClr val="dk1"/>
-          </a:effectRef>
-          <a:fontRef idx="minor">
-            <a:schemeClr val="dk1"/>
-          </a:fontRef>
-        </p:style>
-        <p:txBody>
-          <a:bodyPr rtlCol="0" anchor="ctr"/>
-          <a:lstStyle/>
-          <a:p>
-            <a:pPr algn="ctr"/>
-            <a:r>
-              <a:rPr lang="es-ES" dirty="0" smtClean="0"/>
-              <a:t>Logo Marca</a:t>
-            </a:r>
-            <a:endParaRPr lang="es-ES" dirty="0"/>
-          </a:p>
-        </p:txBody>
-      </p:sp>
-      <p:sp>
-        <p:nvSpPr>
-          <p:cNvPr id="15" name="Rectángulo 14"/>
-          <p:cNvSpPr/>
-          <p:nvPr/>
-        </p:nvSpPr>
-        <p:spPr>
-          <a:xfrm>
-            <a:off x="4752949" y="1791753"/>
-            <a:ext cx="382987" cy="382987"/>
-          </a:xfrm>
-          <a:prstGeom prst="rect">
-            <a:avLst/>
-          </a:prstGeom>
-        </p:spPr>
-        <p:style>
-          <a:lnRef idx="2">
-            <a:schemeClr val="dk1"/>
-          </a:lnRef>
-          <a:fillRef idx="1">
-            <a:schemeClr val="lt1"/>
-          </a:fillRef>
-          <a:effectRef idx="0">
-            <a:schemeClr val="dk1"/>
-          </a:effectRef>
-          <a:fontRef idx="minor">
-            <a:schemeClr val="dk1"/>
-          </a:fontRef>
-        </p:style>
-        <p:txBody>
-          <a:bodyPr rtlCol="0" anchor="ctr"/>
-          <a:lstStyle/>
-          <a:p>
-            <a:pPr algn="ctr"/>
-            <a:r>
-              <a:rPr lang="es-ES" dirty="0">
-                <a:solidFill>
-                  <a:schemeClr val="dk1"/>
-                </a:solidFill>
-              </a:rPr>
-              <a:t>C</a:t>
-            </a:r>
-          </a:p>
-        </p:txBody>
-      </p:sp>
-      <p:sp>
-        <p:nvSpPr>
-          <p:cNvPr id="18" name="Rectángulo 17"/>
-          <p:cNvSpPr/>
-          <p:nvPr/>
-        </p:nvSpPr>
-        <p:spPr>
-          <a:xfrm>
-            <a:off x="2951639" y="2432082"/>
-            <a:ext cx="3083278" cy="330197"/>
-          </a:xfrm>
-          <a:prstGeom prst="rect">
-            <a:avLst/>
-          </a:prstGeom>
-        </p:spPr>
-        <p:style>
-          <a:lnRef idx="2">
-            <a:schemeClr val="dk1"/>
-          </a:lnRef>
-          <a:fillRef idx="1">
-            <a:schemeClr val="lt1"/>
-          </a:fillRef>
-          <a:effectRef idx="0">
-            <a:schemeClr val="dk1"/>
-          </a:effectRef>
-          <a:fontRef idx="minor">
-            <a:schemeClr val="dk1"/>
-          </a:fontRef>
-        </p:style>
-        <p:txBody>
-          <a:bodyPr rtlCol="0" anchor="ctr"/>
-          <a:lstStyle/>
-          <a:p>
-            <a:pPr algn="ctr"/>
-            <a:r>
-              <a:rPr lang="es-ES" dirty="0">
-                <a:solidFill>
-                  <a:schemeClr val="dk1"/>
-                </a:solidFill>
-              </a:rPr>
-              <a:t>Buscador …</a:t>
-            </a:r>
-          </a:p>
-        </p:txBody>
-      </p:sp>
-      <p:sp>
-        <p:nvSpPr>
-          <p:cNvPr id="21" name="Rectángulo 20"/>
-          <p:cNvSpPr/>
-          <p:nvPr/>
-        </p:nvSpPr>
-        <p:spPr>
-          <a:xfrm>
-            <a:off x="5199336" y="1791753"/>
-            <a:ext cx="382987" cy="382987"/>
-          </a:xfrm>
-          <a:prstGeom prst="rect">
-            <a:avLst/>
-          </a:prstGeom>
-        </p:spPr>
-        <p:style>
-          <a:lnRef idx="2">
-            <a:schemeClr val="dk1"/>
-          </a:lnRef>
-          <a:fillRef idx="1">
-            <a:schemeClr val="lt1"/>
-          </a:fillRef>
-          <a:effectRef idx="0">
-            <a:schemeClr val="dk1"/>
-          </a:effectRef>
-          <a:fontRef idx="minor">
-            <a:schemeClr val="dk1"/>
-          </a:fontRef>
-        </p:style>
-        <p:txBody>
-          <a:bodyPr rtlCol="0" anchor="ctr"/>
-          <a:lstStyle/>
-          <a:p>
-            <a:pPr algn="ctr"/>
-            <a:r>
-              <a:rPr lang="es-ES" dirty="0">
-                <a:solidFill>
-                  <a:schemeClr val="dk1"/>
-                </a:solidFill>
-              </a:rPr>
-              <a:t>P</a:t>
-            </a:r>
-          </a:p>
-        </p:txBody>
-      </p:sp>
-      <p:sp>
-        <p:nvSpPr>
-          <p:cNvPr id="22" name="Rectángulo 21"/>
-          <p:cNvSpPr/>
-          <p:nvPr/>
-        </p:nvSpPr>
-        <p:spPr>
-          <a:xfrm>
-            <a:off x="5651929" y="1791754"/>
-            <a:ext cx="382987" cy="382987"/>
-          </a:xfrm>
-          <a:prstGeom prst="rect">
-            <a:avLst/>
-          </a:prstGeom>
-        </p:spPr>
-        <p:style>
-          <a:lnRef idx="2">
-            <a:schemeClr val="dk1"/>
-          </a:lnRef>
-          <a:fillRef idx="1">
-            <a:schemeClr val="lt1"/>
-          </a:fillRef>
-          <a:effectRef idx="0">
-            <a:schemeClr val="dk1"/>
-          </a:effectRef>
-          <a:fontRef idx="minor">
-            <a:schemeClr val="dk1"/>
-          </a:fontRef>
-        </p:style>
-        <p:txBody>
-          <a:bodyPr rtlCol="0" anchor="ctr"/>
-          <a:lstStyle/>
-          <a:p>
-            <a:pPr algn="ctr"/>
-            <a:r>
-              <a:rPr lang="es-ES" dirty="0">
-                <a:solidFill>
-                  <a:schemeClr val="dk1"/>
-                </a:solidFill>
-              </a:rPr>
-              <a:t>T</a:t>
-            </a:r>
-          </a:p>
-        </p:txBody>
-      </p:sp>
-      <p:sp>
-        <p:nvSpPr>
-          <p:cNvPr id="56" name="CuadroTexto 55"/>
-          <p:cNvSpPr txBox="1"/>
-          <p:nvPr/>
-        </p:nvSpPr>
-        <p:spPr>
-          <a:xfrm>
-            <a:off x="7772963" y="212557"/>
-            <a:ext cx="3655424" cy="923330"/>
-          </a:xfrm>
-          <a:prstGeom prst="rect">
-            <a:avLst/>
-          </a:prstGeom>
-          <a:noFill/>
-        </p:spPr>
-        <p:txBody>
-          <a:bodyPr wrap="none" rtlCol="0">
-            <a:spAutoFit/>
-          </a:bodyPr>
-          <a:lstStyle/>
-          <a:p>
-            <a:r>
-              <a:rPr lang="es-ES" dirty="0" smtClean="0"/>
-              <a:t>C =&gt; Categorías. Menú Hamburguesa</a:t>
-            </a:r>
-          </a:p>
-          <a:p>
-            <a:r>
-              <a:rPr lang="es-ES" dirty="0" smtClean="0"/>
-              <a:t>P =&gt; Mi perfil. Logo Personita</a:t>
-            </a:r>
-          </a:p>
-          <a:p>
-            <a:r>
-              <a:rPr lang="es-ES" dirty="0" smtClean="0"/>
-              <a:t>T =&gt; Carrito. Logo Carrito</a:t>
-            </a:r>
-            <a:endParaRPr lang="es-ES" dirty="0"/>
-          </a:p>
-        </p:txBody>
-      </p:sp>
-      <p:sp>
-        <p:nvSpPr>
-          <p:cNvPr id="67" name="CuadroTexto 66"/>
-          <p:cNvSpPr txBox="1"/>
-          <p:nvPr/>
-        </p:nvSpPr>
-        <p:spPr>
-          <a:xfrm>
-            <a:off x="4949877" y="0"/>
-            <a:ext cx="2108141" cy="369332"/>
-          </a:xfrm>
-          <a:prstGeom prst="rect">
-            <a:avLst/>
-          </a:prstGeom>
-          <a:noFill/>
-        </p:spPr>
-        <p:txBody>
-          <a:bodyPr wrap="none" rtlCol="0">
-            <a:spAutoFit/>
-          </a:bodyPr>
-          <a:lstStyle/>
-          <a:p>
-            <a:r>
-              <a:rPr lang="es-ES" dirty="0" smtClean="0"/>
-              <a:t>Escala 1px = 0,03 cm</a:t>
-            </a:r>
-            <a:endParaRPr lang="es-ES" dirty="0"/>
-          </a:p>
-        </p:txBody>
-      </p:sp>
-      <p:sp>
-        <p:nvSpPr>
-          <p:cNvPr id="35" name="Rectángulo 34"/>
-          <p:cNvSpPr/>
-          <p:nvPr/>
-        </p:nvSpPr>
-        <p:spPr>
-          <a:xfrm>
-            <a:off x="2772511" y="4931323"/>
-            <a:ext cx="3435757" cy="732315"/>
-          </a:xfrm>
-          <a:prstGeom prst="rect">
-            <a:avLst/>
-          </a:prstGeom>
-        </p:spPr>
-        <p:style>
-          <a:lnRef idx="1">
-            <a:schemeClr val="accent3"/>
-          </a:lnRef>
-          <a:fillRef idx="2">
-            <a:schemeClr val="accent3"/>
-          </a:fillRef>
-          <a:effectRef idx="1">
-            <a:schemeClr val="accent3"/>
-          </a:effectRef>
-          <a:fontRef idx="minor">
-            <a:schemeClr val="dk1"/>
-          </a:fontRef>
-        </p:style>
-        <p:txBody>
-          <a:bodyPr rtlCol="0" anchor="ctr"/>
-          <a:lstStyle/>
-          <a:p>
-            <a:pPr algn="ctr"/>
-            <a:endParaRPr lang="es-ES"/>
-          </a:p>
-        </p:txBody>
-      </p:sp>
-      <p:sp>
-        <p:nvSpPr>
-          <p:cNvPr id="36" name="Rectángulo 35"/>
-          <p:cNvSpPr/>
-          <p:nvPr/>
-        </p:nvSpPr>
-        <p:spPr>
-          <a:xfrm>
-            <a:off x="2978599" y="5255455"/>
-            <a:ext cx="2460913" cy="340160"/>
-          </a:xfrm>
-          <a:prstGeom prst="rect">
-            <a:avLst/>
-          </a:prstGeom>
-        </p:spPr>
-        <p:style>
-          <a:lnRef idx="2">
-            <a:schemeClr val="dk1"/>
-          </a:lnRef>
-          <a:fillRef idx="1">
-            <a:schemeClr val="lt1"/>
-          </a:fillRef>
-          <a:effectRef idx="0">
-            <a:schemeClr val="dk1"/>
-          </a:effectRef>
-          <a:fontRef idx="minor">
-            <a:schemeClr val="dk1"/>
-          </a:fontRef>
-        </p:style>
-        <p:txBody>
-          <a:bodyPr rtlCol="0" anchor="ctr"/>
-          <a:lstStyle/>
-          <a:p>
-            <a:pPr algn="ctr"/>
-            <a:r>
-              <a:rPr lang="es-ES" dirty="0">
-                <a:solidFill>
-                  <a:schemeClr val="dk1"/>
-                </a:solidFill>
-              </a:rPr>
-              <a:t>Ingresa tu email</a:t>
-            </a:r>
-          </a:p>
-        </p:txBody>
-      </p:sp>
-      <p:sp>
-        <p:nvSpPr>
-          <p:cNvPr id="37" name="Rectángulo 36"/>
-          <p:cNvSpPr/>
-          <p:nvPr/>
-        </p:nvSpPr>
-        <p:spPr>
-          <a:xfrm>
-            <a:off x="5537980" y="5255455"/>
-            <a:ext cx="419164" cy="339203"/>
-          </a:xfrm>
-          <a:prstGeom prst="rect">
-            <a:avLst/>
-          </a:prstGeom>
-        </p:spPr>
-        <p:style>
-          <a:lnRef idx="2">
-            <a:schemeClr val="dk1"/>
-          </a:lnRef>
-          <a:fillRef idx="1">
-            <a:schemeClr val="lt1"/>
-          </a:fillRef>
-          <a:effectRef idx="0">
-            <a:schemeClr val="dk1"/>
-          </a:effectRef>
-          <a:fontRef idx="minor">
-            <a:schemeClr val="dk1"/>
-          </a:fontRef>
-        </p:style>
-        <p:txBody>
-          <a:bodyPr rtlCol="0" anchor="ctr"/>
-          <a:lstStyle/>
-          <a:p>
-            <a:pPr algn="ctr"/>
-            <a:r>
-              <a:rPr lang="es-ES" dirty="0">
-                <a:solidFill>
-                  <a:schemeClr val="dk1"/>
-                </a:solidFill>
-              </a:rPr>
-              <a:t>&gt;</a:t>
-            </a:r>
-          </a:p>
-        </p:txBody>
-      </p:sp>
-      <p:sp>
-        <p:nvSpPr>
-          <p:cNvPr id="38" name="Rectángulo 37"/>
-          <p:cNvSpPr/>
-          <p:nvPr/>
-        </p:nvSpPr>
-        <p:spPr>
-          <a:xfrm>
-            <a:off x="2978599" y="5830167"/>
-            <a:ext cx="1413346" cy="639780"/>
-          </a:xfrm>
-          <a:prstGeom prst="rect">
-            <a:avLst/>
-          </a:prstGeom>
-        </p:spPr>
-        <p:style>
-          <a:lnRef idx="2">
-            <a:schemeClr val="dk1"/>
-          </a:lnRef>
-          <a:fillRef idx="1">
-            <a:schemeClr val="lt1"/>
-          </a:fillRef>
-          <a:effectRef idx="0">
-            <a:schemeClr val="dk1"/>
-          </a:effectRef>
-          <a:fontRef idx="minor">
-            <a:schemeClr val="dk1"/>
-          </a:fontRef>
-        </p:style>
-        <p:txBody>
-          <a:bodyPr rtlCol="0" anchor="ctr"/>
-          <a:lstStyle/>
-          <a:p>
-            <a:pPr algn="ctr"/>
-            <a:r>
-              <a:rPr lang="es-ES" sz="1400" dirty="0">
-                <a:solidFill>
-                  <a:schemeClr val="dk1"/>
-                </a:solidFill>
-              </a:rPr>
-              <a:t>Medios de pago, logos</a:t>
-            </a:r>
-          </a:p>
-        </p:txBody>
-      </p:sp>
-      <p:sp>
-        <p:nvSpPr>
-          <p:cNvPr id="39" name="Rectángulo 38"/>
-          <p:cNvSpPr/>
-          <p:nvPr/>
-        </p:nvSpPr>
-        <p:spPr>
-          <a:xfrm>
-            <a:off x="4570995" y="5827300"/>
-            <a:ext cx="1386149" cy="264627"/>
-          </a:xfrm>
-          <a:prstGeom prst="rect">
-            <a:avLst/>
-          </a:prstGeom>
-        </p:spPr>
-        <p:style>
-          <a:lnRef idx="2">
-            <a:schemeClr val="dk1"/>
-          </a:lnRef>
-          <a:fillRef idx="1">
-            <a:schemeClr val="lt1"/>
-          </a:fillRef>
-          <a:effectRef idx="0">
-            <a:schemeClr val="dk1"/>
-          </a:effectRef>
-          <a:fontRef idx="minor">
-            <a:schemeClr val="dk1"/>
-          </a:fontRef>
-        </p:style>
-        <p:txBody>
-          <a:bodyPr rtlCol="0" anchor="ctr"/>
-          <a:lstStyle/>
-          <a:p>
-            <a:pPr algn="ctr"/>
-            <a:r>
-              <a:rPr lang="es-ES" sz="1400" dirty="0">
-                <a:solidFill>
-                  <a:schemeClr val="dk1"/>
-                </a:solidFill>
-              </a:rPr>
-              <a:t>Logos Redes</a:t>
-            </a:r>
-          </a:p>
-        </p:txBody>
-      </p:sp>
-      <p:sp>
-        <p:nvSpPr>
-          <p:cNvPr id="40" name="Rectángulo 39"/>
-          <p:cNvSpPr/>
-          <p:nvPr/>
-        </p:nvSpPr>
-        <p:spPr>
-          <a:xfrm>
-            <a:off x="4570994" y="6189044"/>
-            <a:ext cx="1386149" cy="280904"/>
-          </a:xfrm>
-          <a:prstGeom prst="rect">
-            <a:avLst/>
-          </a:prstGeom>
-        </p:spPr>
-        <p:style>
-          <a:lnRef idx="2">
-            <a:schemeClr val="dk1"/>
-          </a:lnRef>
-          <a:fillRef idx="1">
-            <a:schemeClr val="lt1"/>
-          </a:fillRef>
-          <a:effectRef idx="0">
-            <a:schemeClr val="dk1"/>
-          </a:effectRef>
-          <a:fontRef idx="minor">
-            <a:schemeClr val="dk1"/>
-          </a:fontRef>
-        </p:style>
-        <p:txBody>
-          <a:bodyPr rtlCol="0" anchor="ctr"/>
-          <a:lstStyle/>
-          <a:p>
-            <a:pPr algn="ctr"/>
-            <a:r>
-              <a:rPr lang="es-ES" sz="1200" dirty="0" err="1">
-                <a:solidFill>
-                  <a:schemeClr val="dk1"/>
-                </a:solidFill>
-              </a:rPr>
-              <a:t>Boton</a:t>
-            </a:r>
-            <a:r>
-              <a:rPr lang="es-ES" sz="1200" dirty="0">
-                <a:solidFill>
-                  <a:schemeClr val="dk1"/>
-                </a:solidFill>
-              </a:rPr>
-              <a:t> </a:t>
-            </a:r>
-            <a:r>
-              <a:rPr lang="es-ES" sz="1200" dirty="0" err="1">
-                <a:solidFill>
-                  <a:schemeClr val="dk1"/>
-                </a:solidFill>
-              </a:rPr>
-              <a:t>Contato</a:t>
-            </a:r>
-            <a:endParaRPr lang="es-ES" sz="1200" dirty="0">
-              <a:solidFill>
-                <a:schemeClr val="dk1"/>
-              </a:solidFill>
-            </a:endParaRPr>
-          </a:p>
-        </p:txBody>
-      </p:sp>
-      <p:sp>
-        <p:nvSpPr>
-          <p:cNvPr id="41" name="CuadroTexto 40"/>
-          <p:cNvSpPr txBox="1"/>
-          <p:nvPr/>
-        </p:nvSpPr>
-        <p:spPr>
-          <a:xfrm>
-            <a:off x="2891615" y="4920344"/>
-            <a:ext cx="3000660" cy="338554"/>
-          </a:xfrm>
-          <a:prstGeom prst="rect">
-            <a:avLst/>
-          </a:prstGeom>
-          <a:noFill/>
-        </p:spPr>
-        <p:txBody>
-          <a:bodyPr wrap="square" rtlCol="0">
-            <a:spAutoFit/>
-          </a:bodyPr>
-          <a:lstStyle/>
-          <a:p>
-            <a:pPr algn="ctr"/>
-            <a:r>
-              <a:rPr lang="es-ES" sz="1600" dirty="0" err="1" smtClean="0"/>
-              <a:t>Newsletter</a:t>
-            </a:r>
-            <a:endParaRPr lang="es-ES" sz="1600" dirty="0"/>
-          </a:p>
-        </p:txBody>
-      </p:sp>
-      <p:sp>
-        <p:nvSpPr>
-          <p:cNvPr id="24" name="CuadroTexto 23"/>
-          <p:cNvSpPr txBox="1"/>
-          <p:nvPr/>
-        </p:nvSpPr>
-        <p:spPr>
-          <a:xfrm>
-            <a:off x="3006118" y="3154297"/>
-            <a:ext cx="3000660" cy="707886"/>
-          </a:xfrm>
-          <a:prstGeom prst="rect">
-            <a:avLst/>
-          </a:prstGeom>
-          <a:noFill/>
-        </p:spPr>
-        <p:txBody>
-          <a:bodyPr wrap="square" rtlCol="0">
-            <a:spAutoFit/>
-          </a:bodyPr>
-          <a:lstStyle/>
-          <a:p>
-            <a:pPr algn="ctr"/>
-            <a:r>
-              <a:rPr lang="es-ES" sz="2000" dirty="0" smtClean="0"/>
-              <a:t>El correo electrónico ya se encuentra registrado.</a:t>
-            </a:r>
-            <a:endParaRPr lang="es-ES" sz="2000" dirty="0"/>
-          </a:p>
-        </p:txBody>
-      </p:sp>
-      <p:sp>
-        <p:nvSpPr>
-          <p:cNvPr id="25" name="Rectángulo redondeado 24"/>
-          <p:cNvSpPr/>
-          <p:nvPr/>
-        </p:nvSpPr>
-        <p:spPr>
-          <a:xfrm>
-            <a:off x="3006119" y="4223283"/>
-            <a:ext cx="3000659" cy="278253"/>
-          </a:xfrm>
-          <a:prstGeom prst="roundRect">
-            <a:avLst/>
-          </a:prstGeom>
-          <a:solidFill>
-            <a:schemeClr val="bg1">
-              <a:lumMod val="85000"/>
-            </a:schemeClr>
-          </a:solidFill>
-          <a:ln>
-            <a:solidFill>
-              <a:schemeClr val="tx1"/>
-            </a:solidFill>
-          </a:ln>
-        </p:spPr>
-        <p:style>
-          <a:lnRef idx="2">
-            <a:schemeClr val="accent1">
-              <a:shade val="50000"/>
-            </a:schemeClr>
-          </a:lnRef>
-          <a:fillRef idx="1">
-            <a:schemeClr val="accent1"/>
-          </a:fillRef>
-          <a:effectRef idx="0">
-            <a:schemeClr val="accent1"/>
-          </a:effectRef>
-          <a:fontRef idx="minor">
-            <a:schemeClr val="lt1"/>
-          </a:fontRef>
-        </p:style>
-        <p:txBody>
-          <a:bodyPr rtlCol="0" anchor="ctr"/>
-          <a:lstStyle/>
-          <a:p>
-            <a:pPr algn="ctr"/>
-            <a:r>
-              <a:rPr lang="es-ES" dirty="0" smtClean="0">
-                <a:solidFill>
-                  <a:schemeClr val="tx1"/>
-                </a:solidFill>
-              </a:rPr>
-              <a:t>Olvide mi contraseña</a:t>
-            </a:r>
-            <a:endParaRPr lang="es-ES" dirty="0">
-              <a:solidFill>
-                <a:schemeClr val="tx1"/>
-              </a:solidFill>
-            </a:endParaRPr>
-          </a:p>
-        </p:txBody>
-      </p:sp>
-      <p:sp>
-        <p:nvSpPr>
-          <p:cNvPr id="26" name="Rectángulo redondeado 25"/>
-          <p:cNvSpPr/>
-          <p:nvPr/>
-        </p:nvSpPr>
-        <p:spPr>
-          <a:xfrm>
-            <a:off x="3006119" y="4571813"/>
-            <a:ext cx="3000659" cy="278253"/>
-          </a:xfrm>
-          <a:prstGeom prst="roundRect">
-            <a:avLst/>
-          </a:prstGeom>
-          <a:solidFill>
-            <a:schemeClr val="bg1">
-              <a:lumMod val="85000"/>
-            </a:schemeClr>
-          </a:solidFill>
-          <a:ln>
-            <a:solidFill>
-              <a:schemeClr val="tx1"/>
-            </a:solidFill>
-          </a:ln>
-        </p:spPr>
-        <p:style>
-          <a:lnRef idx="2">
-            <a:schemeClr val="accent1">
-              <a:shade val="50000"/>
-            </a:schemeClr>
-          </a:lnRef>
-          <a:fillRef idx="1">
-            <a:schemeClr val="accent1"/>
-          </a:fillRef>
-          <a:effectRef idx="0">
-            <a:schemeClr val="accent1"/>
-          </a:effectRef>
-          <a:fontRef idx="minor">
-            <a:schemeClr val="lt1"/>
-          </a:fontRef>
-        </p:style>
-        <p:txBody>
-          <a:bodyPr rtlCol="0" anchor="ctr"/>
-          <a:lstStyle/>
-          <a:p>
-            <a:pPr algn="ctr"/>
-            <a:r>
-              <a:rPr lang="es-ES" dirty="0" smtClean="0">
-                <a:solidFill>
-                  <a:schemeClr val="tx1"/>
-                </a:solidFill>
-              </a:rPr>
-              <a:t>Volver a intentar</a:t>
-            </a:r>
-            <a:endParaRPr lang="es-ES" dirty="0">
-              <a:solidFill>
-                <a:schemeClr val="tx1"/>
-              </a:solidFill>
-            </a:endParaRPr>
-          </a:p>
-        </p:txBody>
-      </p:sp>
-      <p:sp>
-        <p:nvSpPr>
-          <p:cNvPr id="27" name="Rectángulo 26"/>
-          <p:cNvSpPr/>
-          <p:nvPr/>
-        </p:nvSpPr>
-        <p:spPr>
-          <a:xfrm>
-            <a:off x="6325284" y="1452524"/>
-            <a:ext cx="3456000" cy="5184000"/>
-          </a:xfrm>
-          <a:prstGeom prst="rect">
-            <a:avLst/>
-          </a:prstGeom>
-        </p:spPr>
-        <p:style>
-          <a:lnRef idx="2">
-            <a:schemeClr val="dk1"/>
-          </a:lnRef>
-          <a:fillRef idx="1">
-            <a:schemeClr val="lt1"/>
-          </a:fillRef>
-          <a:effectRef idx="0">
-            <a:schemeClr val="dk1"/>
-          </a:effectRef>
-          <a:fontRef idx="minor">
-            <a:schemeClr val="dk1"/>
-          </a:fontRef>
-        </p:style>
-        <p:txBody>
-          <a:bodyPr rtlCol="0" anchor="ctr"/>
-          <a:lstStyle/>
-          <a:p>
-            <a:pPr algn="ctr"/>
-            <a:endParaRPr lang="es-ES" dirty="0"/>
-          </a:p>
-        </p:txBody>
-      </p:sp>
-      <p:sp>
-        <p:nvSpPr>
-          <p:cNvPr id="28" name="Rectángulo 27"/>
-          <p:cNvSpPr/>
-          <p:nvPr/>
-        </p:nvSpPr>
-        <p:spPr>
-          <a:xfrm>
-            <a:off x="6325284" y="1452524"/>
-            <a:ext cx="3456001" cy="1405210"/>
-          </a:xfrm>
-          <a:prstGeom prst="rect">
-            <a:avLst/>
-          </a:prstGeom>
-          <a:solidFill>
-            <a:schemeClr val="bg1">
-              <a:lumMod val="85000"/>
-              <a:alpha val="58000"/>
-            </a:schemeClr>
-          </a:solidFill>
-        </p:spPr>
-        <p:style>
-          <a:lnRef idx="1">
-            <a:schemeClr val="accent3"/>
-          </a:lnRef>
-          <a:fillRef idx="2">
-            <a:schemeClr val="accent3"/>
-          </a:fillRef>
-          <a:effectRef idx="1">
-            <a:schemeClr val="accent3"/>
-          </a:effectRef>
-          <a:fontRef idx="minor">
-            <a:schemeClr val="dk1"/>
-          </a:fontRef>
-        </p:style>
-        <p:txBody>
-          <a:bodyPr rtlCol="0" anchor="ctr"/>
-          <a:lstStyle/>
-          <a:p>
-            <a:pPr algn="ctr"/>
-            <a:endParaRPr lang="es-ES" sz="1100" dirty="0"/>
-          </a:p>
-        </p:txBody>
-      </p:sp>
-      <p:sp>
-        <p:nvSpPr>
-          <p:cNvPr id="29" name="Rectángulo 28"/>
-          <p:cNvSpPr/>
-          <p:nvPr/>
-        </p:nvSpPr>
-        <p:spPr>
-          <a:xfrm>
-            <a:off x="6522232" y="1685228"/>
-            <a:ext cx="1696248" cy="639780"/>
-          </a:xfrm>
-          <a:prstGeom prst="rect">
-            <a:avLst/>
-          </a:prstGeom>
-        </p:spPr>
-        <p:style>
-          <a:lnRef idx="2">
-            <a:schemeClr val="dk1"/>
-          </a:lnRef>
-          <a:fillRef idx="1">
-            <a:schemeClr val="lt1"/>
-          </a:fillRef>
-          <a:effectRef idx="0">
-            <a:schemeClr val="dk1"/>
-          </a:effectRef>
-          <a:fontRef idx="minor">
-            <a:schemeClr val="dk1"/>
-          </a:fontRef>
-        </p:style>
-        <p:txBody>
-          <a:bodyPr rtlCol="0" anchor="ctr"/>
-          <a:lstStyle/>
-          <a:p>
-            <a:pPr algn="ctr"/>
-            <a:r>
-              <a:rPr lang="es-ES" dirty="0" smtClean="0"/>
-              <a:t>Logo Marca</a:t>
-            </a:r>
-            <a:endParaRPr lang="es-ES" dirty="0"/>
-          </a:p>
-        </p:txBody>
-      </p:sp>
-      <p:sp>
-        <p:nvSpPr>
-          <p:cNvPr id="30" name="Rectángulo 29"/>
-          <p:cNvSpPr/>
-          <p:nvPr/>
-        </p:nvSpPr>
-        <p:spPr>
-          <a:xfrm>
-            <a:off x="8323543" y="1791753"/>
-            <a:ext cx="382987" cy="382987"/>
-          </a:xfrm>
-          <a:prstGeom prst="rect">
-            <a:avLst/>
-          </a:prstGeom>
-        </p:spPr>
-        <p:style>
-          <a:lnRef idx="2">
-            <a:schemeClr val="dk1"/>
-          </a:lnRef>
-          <a:fillRef idx="1">
-            <a:schemeClr val="lt1"/>
-          </a:fillRef>
-          <a:effectRef idx="0">
-            <a:schemeClr val="dk1"/>
-          </a:effectRef>
-          <a:fontRef idx="minor">
-            <a:schemeClr val="dk1"/>
-          </a:fontRef>
-        </p:style>
-        <p:txBody>
-          <a:bodyPr rtlCol="0" anchor="ctr"/>
-          <a:lstStyle/>
-          <a:p>
-            <a:pPr algn="ctr"/>
-            <a:r>
-              <a:rPr lang="es-ES" dirty="0">
-                <a:solidFill>
-                  <a:schemeClr val="dk1"/>
-                </a:solidFill>
-              </a:rPr>
-              <a:t>C</a:t>
-            </a:r>
-          </a:p>
-        </p:txBody>
-      </p:sp>
-      <p:sp>
-        <p:nvSpPr>
-          <p:cNvPr id="31" name="Rectángulo 30"/>
-          <p:cNvSpPr/>
-          <p:nvPr/>
-        </p:nvSpPr>
-        <p:spPr>
-          <a:xfrm>
-            <a:off x="6522233" y="2432082"/>
-            <a:ext cx="3083278" cy="330197"/>
-          </a:xfrm>
-          <a:prstGeom prst="rect">
-            <a:avLst/>
-          </a:prstGeom>
-        </p:spPr>
-        <p:style>
-          <a:lnRef idx="2">
-            <a:schemeClr val="dk1"/>
-          </a:lnRef>
-          <a:fillRef idx="1">
-            <a:schemeClr val="lt1"/>
-          </a:fillRef>
-          <a:effectRef idx="0">
-            <a:schemeClr val="dk1"/>
-          </a:effectRef>
-          <a:fontRef idx="minor">
-            <a:schemeClr val="dk1"/>
-          </a:fontRef>
-        </p:style>
-        <p:txBody>
-          <a:bodyPr rtlCol="0" anchor="ctr"/>
-          <a:lstStyle/>
-          <a:p>
-            <a:pPr algn="ctr"/>
-            <a:r>
-              <a:rPr lang="es-ES" dirty="0">
-                <a:solidFill>
-                  <a:schemeClr val="dk1"/>
-                </a:solidFill>
-              </a:rPr>
-              <a:t>Buscador …</a:t>
-            </a:r>
-          </a:p>
-        </p:txBody>
-      </p:sp>
-      <p:sp>
-        <p:nvSpPr>
-          <p:cNvPr id="32" name="Rectángulo 31"/>
-          <p:cNvSpPr/>
-          <p:nvPr/>
-        </p:nvSpPr>
-        <p:spPr>
-          <a:xfrm>
-            <a:off x="8769930" y="1791753"/>
-            <a:ext cx="382987" cy="382987"/>
-          </a:xfrm>
-          <a:prstGeom prst="rect">
-            <a:avLst/>
-          </a:prstGeom>
-        </p:spPr>
-        <p:style>
-          <a:lnRef idx="2">
-            <a:schemeClr val="dk1"/>
-          </a:lnRef>
-          <a:fillRef idx="1">
-            <a:schemeClr val="lt1"/>
-          </a:fillRef>
-          <a:effectRef idx="0">
-            <a:schemeClr val="dk1"/>
-          </a:effectRef>
-          <a:fontRef idx="minor">
-            <a:schemeClr val="dk1"/>
-          </a:fontRef>
-        </p:style>
-        <p:txBody>
-          <a:bodyPr rtlCol="0" anchor="ctr"/>
-          <a:lstStyle/>
-          <a:p>
-            <a:pPr algn="ctr"/>
-            <a:r>
-              <a:rPr lang="es-ES" dirty="0">
-                <a:solidFill>
-                  <a:schemeClr val="dk1"/>
-                </a:solidFill>
-              </a:rPr>
-              <a:t>P</a:t>
-            </a:r>
-          </a:p>
-        </p:txBody>
-      </p:sp>
-      <p:sp>
-        <p:nvSpPr>
-          <p:cNvPr id="33" name="Rectángulo 32"/>
-          <p:cNvSpPr/>
-          <p:nvPr/>
-        </p:nvSpPr>
-        <p:spPr>
-          <a:xfrm>
-            <a:off x="9222523" y="1791754"/>
-            <a:ext cx="382987" cy="382987"/>
-          </a:xfrm>
-          <a:prstGeom prst="rect">
-            <a:avLst/>
-          </a:prstGeom>
-        </p:spPr>
-        <p:style>
-          <a:lnRef idx="2">
-            <a:schemeClr val="dk1"/>
-          </a:lnRef>
-          <a:fillRef idx="1">
-            <a:schemeClr val="lt1"/>
-          </a:fillRef>
-          <a:effectRef idx="0">
-            <a:schemeClr val="dk1"/>
-          </a:effectRef>
-          <a:fontRef idx="minor">
-            <a:schemeClr val="dk1"/>
-          </a:fontRef>
-        </p:style>
-        <p:txBody>
-          <a:bodyPr rtlCol="0" anchor="ctr"/>
-          <a:lstStyle/>
-          <a:p>
-            <a:pPr algn="ctr"/>
-            <a:r>
-              <a:rPr lang="es-ES" dirty="0">
-                <a:solidFill>
-                  <a:schemeClr val="dk1"/>
-                </a:solidFill>
-              </a:rPr>
-              <a:t>T</a:t>
-            </a:r>
-          </a:p>
-        </p:txBody>
-      </p:sp>
-      <p:sp>
-        <p:nvSpPr>
-          <p:cNvPr id="34" name="Rectángulo 33"/>
-          <p:cNvSpPr/>
-          <p:nvPr/>
-        </p:nvSpPr>
-        <p:spPr>
-          <a:xfrm>
-            <a:off x="6343105" y="4931323"/>
-            <a:ext cx="3435757" cy="732315"/>
-          </a:xfrm>
-          <a:prstGeom prst="rect">
-            <a:avLst/>
-          </a:prstGeom>
-        </p:spPr>
-        <p:style>
-          <a:lnRef idx="1">
-            <a:schemeClr val="accent3"/>
-          </a:lnRef>
-          <a:fillRef idx="2">
-            <a:schemeClr val="accent3"/>
-          </a:fillRef>
-          <a:effectRef idx="1">
-            <a:schemeClr val="accent3"/>
-          </a:effectRef>
-          <a:fontRef idx="minor">
-            <a:schemeClr val="dk1"/>
-          </a:fontRef>
-        </p:style>
-        <p:txBody>
-          <a:bodyPr rtlCol="0" anchor="ctr"/>
-          <a:lstStyle/>
-          <a:p>
-            <a:pPr algn="ctr"/>
-            <a:endParaRPr lang="es-ES"/>
-          </a:p>
-        </p:txBody>
-      </p:sp>
-      <p:sp>
-        <p:nvSpPr>
-          <p:cNvPr id="43" name="Rectángulo 42"/>
-          <p:cNvSpPr/>
-          <p:nvPr/>
-        </p:nvSpPr>
-        <p:spPr>
-          <a:xfrm>
-            <a:off x="6549193" y="5255455"/>
-            <a:ext cx="2460913" cy="340160"/>
-          </a:xfrm>
-          <a:prstGeom prst="rect">
-            <a:avLst/>
-          </a:prstGeom>
-        </p:spPr>
-        <p:style>
-          <a:lnRef idx="2">
-            <a:schemeClr val="dk1"/>
-          </a:lnRef>
-          <a:fillRef idx="1">
-            <a:schemeClr val="lt1"/>
-          </a:fillRef>
-          <a:effectRef idx="0">
-            <a:schemeClr val="dk1"/>
-          </a:effectRef>
-          <a:fontRef idx="minor">
-            <a:schemeClr val="dk1"/>
-          </a:fontRef>
-        </p:style>
-        <p:txBody>
-          <a:bodyPr rtlCol="0" anchor="ctr"/>
-          <a:lstStyle/>
-          <a:p>
-            <a:pPr algn="ctr"/>
-            <a:r>
-              <a:rPr lang="es-ES" dirty="0">
-                <a:solidFill>
-                  <a:schemeClr val="dk1"/>
-                </a:solidFill>
-              </a:rPr>
-              <a:t>Ingresa tu email</a:t>
-            </a:r>
-          </a:p>
-        </p:txBody>
-      </p:sp>
-      <p:sp>
-        <p:nvSpPr>
-          <p:cNvPr id="44" name="Rectángulo 43"/>
-          <p:cNvSpPr/>
-          <p:nvPr/>
-        </p:nvSpPr>
-        <p:spPr>
-          <a:xfrm>
-            <a:off x="9108574" y="5255455"/>
-            <a:ext cx="419164" cy="339203"/>
-          </a:xfrm>
-          <a:prstGeom prst="rect">
-            <a:avLst/>
-          </a:prstGeom>
-        </p:spPr>
-        <p:style>
-          <a:lnRef idx="2">
-            <a:schemeClr val="dk1"/>
-          </a:lnRef>
-          <a:fillRef idx="1">
-            <a:schemeClr val="lt1"/>
-          </a:fillRef>
-          <a:effectRef idx="0">
-            <a:schemeClr val="dk1"/>
-          </a:effectRef>
-          <a:fontRef idx="minor">
-            <a:schemeClr val="dk1"/>
-          </a:fontRef>
-        </p:style>
-        <p:txBody>
-          <a:bodyPr rtlCol="0" anchor="ctr"/>
-          <a:lstStyle/>
-          <a:p>
-            <a:pPr algn="ctr"/>
-            <a:r>
-              <a:rPr lang="es-ES" dirty="0">
-                <a:solidFill>
-                  <a:schemeClr val="dk1"/>
-                </a:solidFill>
-              </a:rPr>
-              <a:t>&gt;</a:t>
-            </a:r>
-          </a:p>
-        </p:txBody>
-      </p:sp>
-      <p:sp>
-        <p:nvSpPr>
-          <p:cNvPr id="45" name="Rectángulo 44"/>
-          <p:cNvSpPr/>
-          <p:nvPr/>
-        </p:nvSpPr>
-        <p:spPr>
-          <a:xfrm>
-            <a:off x="6549193" y="5830167"/>
-            <a:ext cx="1413346" cy="639780"/>
-          </a:xfrm>
-          <a:prstGeom prst="rect">
-            <a:avLst/>
-          </a:prstGeom>
-        </p:spPr>
-        <p:style>
-          <a:lnRef idx="2">
-            <a:schemeClr val="dk1"/>
-          </a:lnRef>
-          <a:fillRef idx="1">
-            <a:schemeClr val="lt1"/>
-          </a:fillRef>
-          <a:effectRef idx="0">
-            <a:schemeClr val="dk1"/>
-          </a:effectRef>
-          <a:fontRef idx="minor">
-            <a:schemeClr val="dk1"/>
-          </a:fontRef>
-        </p:style>
-        <p:txBody>
-          <a:bodyPr rtlCol="0" anchor="ctr"/>
-          <a:lstStyle/>
-          <a:p>
-            <a:pPr algn="ctr"/>
-            <a:r>
-              <a:rPr lang="es-ES" sz="1400" dirty="0">
-                <a:solidFill>
-                  <a:schemeClr val="dk1"/>
-                </a:solidFill>
-              </a:rPr>
-              <a:t>Medios de pago, logos</a:t>
-            </a:r>
-          </a:p>
-        </p:txBody>
-      </p:sp>
-      <p:sp>
-        <p:nvSpPr>
-          <p:cNvPr id="46" name="Rectángulo 45"/>
-          <p:cNvSpPr/>
-          <p:nvPr/>
-        </p:nvSpPr>
-        <p:spPr>
-          <a:xfrm>
-            <a:off x="8141589" y="5827300"/>
-            <a:ext cx="1386149" cy="264627"/>
-          </a:xfrm>
-          <a:prstGeom prst="rect">
-            <a:avLst/>
-          </a:prstGeom>
-        </p:spPr>
-        <p:style>
-          <a:lnRef idx="2">
-            <a:schemeClr val="dk1"/>
-          </a:lnRef>
-          <a:fillRef idx="1">
-            <a:schemeClr val="lt1"/>
-          </a:fillRef>
-          <a:effectRef idx="0">
-            <a:schemeClr val="dk1"/>
-          </a:effectRef>
-          <a:fontRef idx="minor">
-            <a:schemeClr val="dk1"/>
-          </a:fontRef>
-        </p:style>
-        <p:txBody>
-          <a:bodyPr rtlCol="0" anchor="ctr"/>
-          <a:lstStyle/>
-          <a:p>
-            <a:pPr algn="ctr"/>
-            <a:r>
-              <a:rPr lang="es-ES" sz="1400" dirty="0">
-                <a:solidFill>
-                  <a:schemeClr val="dk1"/>
-                </a:solidFill>
-              </a:rPr>
-              <a:t>Logos Redes</a:t>
-            </a:r>
-          </a:p>
-        </p:txBody>
-      </p:sp>
-      <p:sp>
-        <p:nvSpPr>
-          <p:cNvPr id="47" name="Rectángulo 46"/>
-          <p:cNvSpPr/>
-          <p:nvPr/>
-        </p:nvSpPr>
-        <p:spPr>
-          <a:xfrm>
-            <a:off x="8141588" y="6189044"/>
-            <a:ext cx="1386149" cy="280904"/>
-          </a:xfrm>
-          <a:prstGeom prst="rect">
-            <a:avLst/>
-          </a:prstGeom>
-        </p:spPr>
-        <p:style>
-          <a:lnRef idx="2">
-            <a:schemeClr val="dk1"/>
-          </a:lnRef>
-          <a:fillRef idx="1">
-            <a:schemeClr val="lt1"/>
-          </a:fillRef>
-          <a:effectRef idx="0">
-            <a:schemeClr val="dk1"/>
-          </a:effectRef>
-          <a:fontRef idx="minor">
-            <a:schemeClr val="dk1"/>
-          </a:fontRef>
-        </p:style>
-        <p:txBody>
-          <a:bodyPr rtlCol="0" anchor="ctr"/>
-          <a:lstStyle/>
-          <a:p>
-            <a:pPr algn="ctr"/>
-            <a:r>
-              <a:rPr lang="es-ES" sz="1200" dirty="0" err="1">
-                <a:solidFill>
-                  <a:schemeClr val="dk1"/>
-                </a:solidFill>
-              </a:rPr>
-              <a:t>Boton</a:t>
-            </a:r>
-            <a:r>
-              <a:rPr lang="es-ES" sz="1200" dirty="0">
-                <a:solidFill>
-                  <a:schemeClr val="dk1"/>
-                </a:solidFill>
-              </a:rPr>
-              <a:t> </a:t>
-            </a:r>
-            <a:r>
-              <a:rPr lang="es-ES" sz="1200" dirty="0" err="1">
-                <a:solidFill>
-                  <a:schemeClr val="dk1"/>
-                </a:solidFill>
-              </a:rPr>
-              <a:t>Contato</a:t>
-            </a:r>
-            <a:endParaRPr lang="es-ES" sz="1200" dirty="0">
-              <a:solidFill>
-                <a:schemeClr val="dk1"/>
-              </a:solidFill>
-            </a:endParaRPr>
-          </a:p>
-        </p:txBody>
-      </p:sp>
-      <p:sp>
-        <p:nvSpPr>
-          <p:cNvPr id="48" name="CuadroTexto 47"/>
-          <p:cNvSpPr txBox="1"/>
-          <p:nvPr/>
-        </p:nvSpPr>
-        <p:spPr>
-          <a:xfrm>
-            <a:off x="6462209" y="4920344"/>
-            <a:ext cx="3000660" cy="338554"/>
-          </a:xfrm>
-          <a:prstGeom prst="rect">
-            <a:avLst/>
-          </a:prstGeom>
-          <a:noFill/>
-        </p:spPr>
-        <p:txBody>
-          <a:bodyPr wrap="square" rtlCol="0">
-            <a:spAutoFit/>
-          </a:bodyPr>
-          <a:lstStyle/>
-          <a:p>
-            <a:pPr algn="ctr"/>
-            <a:r>
-              <a:rPr lang="es-ES" sz="1600" dirty="0" err="1" smtClean="0"/>
-              <a:t>Newsletter</a:t>
-            </a:r>
-            <a:endParaRPr lang="es-ES" sz="1600" dirty="0"/>
-          </a:p>
-        </p:txBody>
-      </p:sp>
-      <p:sp>
-        <p:nvSpPr>
-          <p:cNvPr id="49" name="CuadroTexto 48"/>
-          <p:cNvSpPr txBox="1"/>
-          <p:nvPr/>
-        </p:nvSpPr>
-        <p:spPr>
-          <a:xfrm>
-            <a:off x="6576712" y="3027685"/>
-            <a:ext cx="3000660" cy="830997"/>
-          </a:xfrm>
-          <a:prstGeom prst="rect">
-            <a:avLst/>
-          </a:prstGeom>
-          <a:noFill/>
-        </p:spPr>
-        <p:txBody>
-          <a:bodyPr wrap="square" rtlCol="0">
-            <a:spAutoFit/>
-          </a:bodyPr>
-          <a:lstStyle/>
-          <a:p>
-            <a:pPr algn="ctr"/>
-            <a:r>
-              <a:rPr lang="es-ES" sz="2400" dirty="0"/>
-              <a:t>¡</a:t>
-            </a:r>
-            <a:r>
-              <a:rPr lang="es-ES" sz="2400" dirty="0" smtClean="0"/>
-              <a:t>MUCHAS GRACIAS </a:t>
-            </a:r>
-          </a:p>
-          <a:p>
-            <a:pPr algn="ctr"/>
-            <a:r>
-              <a:rPr lang="es-ES" sz="2400" dirty="0" smtClean="0"/>
-              <a:t>POR TU COMPRA!</a:t>
-            </a:r>
-            <a:endParaRPr lang="es-ES" sz="2400" dirty="0"/>
-          </a:p>
-        </p:txBody>
-      </p:sp>
-      <p:sp>
-        <p:nvSpPr>
-          <p:cNvPr id="50" name="Rectángulo redondeado 49"/>
-          <p:cNvSpPr/>
-          <p:nvPr/>
-        </p:nvSpPr>
-        <p:spPr>
-          <a:xfrm>
-            <a:off x="6549193" y="4405917"/>
-            <a:ext cx="3000659" cy="278253"/>
-          </a:xfrm>
-          <a:prstGeom prst="roundRect">
-            <a:avLst/>
-          </a:prstGeom>
-          <a:solidFill>
-            <a:schemeClr val="bg1">
-              <a:lumMod val="85000"/>
-            </a:schemeClr>
-          </a:solidFill>
-          <a:ln>
-            <a:solidFill>
-              <a:schemeClr val="tx1"/>
-            </a:solidFill>
-          </a:ln>
-        </p:spPr>
-        <p:style>
-          <a:lnRef idx="2">
-            <a:schemeClr val="accent1">
-              <a:shade val="50000"/>
-            </a:schemeClr>
-          </a:lnRef>
-          <a:fillRef idx="1">
-            <a:schemeClr val="accent1"/>
-          </a:fillRef>
-          <a:effectRef idx="0">
-            <a:schemeClr val="accent1"/>
-          </a:effectRef>
-          <a:fontRef idx="minor">
-            <a:schemeClr val="lt1"/>
-          </a:fontRef>
-        </p:style>
-        <p:txBody>
-          <a:bodyPr rtlCol="0" anchor="ctr"/>
-          <a:lstStyle/>
-          <a:p>
-            <a:pPr algn="ctr"/>
-            <a:r>
-              <a:rPr lang="es-ES" dirty="0" smtClean="0">
-                <a:solidFill>
-                  <a:schemeClr val="tx1"/>
-                </a:solidFill>
-              </a:rPr>
-              <a:t>Ver mis pedidos</a:t>
-            </a:r>
-            <a:endParaRPr lang="es-ES" dirty="0">
-              <a:solidFill>
-                <a:schemeClr val="tx1"/>
-              </a:solidFill>
-            </a:endParaRPr>
-          </a:p>
-        </p:txBody>
-      </p:sp>
-      <p:sp>
-        <p:nvSpPr>
-          <p:cNvPr id="73" name="CuadroTexto 72"/>
-          <p:cNvSpPr txBox="1"/>
-          <p:nvPr/>
-        </p:nvSpPr>
-        <p:spPr>
-          <a:xfrm>
-            <a:off x="6549192" y="4037375"/>
-            <a:ext cx="3000660" cy="338554"/>
-          </a:xfrm>
-          <a:prstGeom prst="rect">
-            <a:avLst/>
-          </a:prstGeom>
-          <a:noFill/>
-        </p:spPr>
-        <p:txBody>
-          <a:bodyPr wrap="square" rtlCol="0">
-            <a:spAutoFit/>
-          </a:bodyPr>
-          <a:lstStyle/>
-          <a:p>
-            <a:pPr algn="ctr"/>
-            <a:r>
-              <a:rPr lang="es-ES" sz="1600" dirty="0" smtClean="0"/>
-              <a:t>Pedido Nº: </a:t>
-            </a:r>
-            <a:r>
-              <a:rPr lang="es-ES" sz="1600" dirty="0" err="1" smtClean="0"/>
-              <a:t>xxxxxx</a:t>
-            </a:r>
-            <a:endParaRPr lang="es-ES" sz="1600" dirty="0"/>
-          </a:p>
-        </p:txBody>
-      </p:sp>
-    </p:spTree>
-    <p:extLst>
-      <p:ext uri="{BB962C8B-B14F-4D97-AF65-F5344CB8AC3E}">
-        <p14:creationId xmlns:p14="http://schemas.microsoft.com/office/powerpoint/2010/main" val="1537523279"/>
-      </p:ext>
-    </p:extLst>
-  </p:cSld>
-  <p:clrMapOvr>
-    <a:masterClrMapping/>
-  </p:clrMapOvr>
-</p:sld>
-</file>
-
 <file path=ppt/slides/slide2.xml><?xml version="1.0" encoding="utf-8"?>
 <p:sld xmlns:a="http://schemas.openxmlformats.org/drawingml/2006/main" xmlns:r="http://schemas.openxmlformats.org/officeDocument/2006/relationships" xmlns:p="http://schemas.openxmlformats.org/presentationml/2006/main">
   <p:cSld>
@@ -6684,7 +4967,6 @@
               <a:rPr lang="es-ES" sz="2400" b="1" dirty="0" smtClean="0"/>
               <a:t>Detalle Producto</a:t>
             </a:r>
-            <a:endParaRPr lang="es-ES" sz="2400" b="1" dirty="0" smtClean="0"/>
           </a:p>
           <a:p>
             <a:pPr algn="ctr"/>
@@ -6692,7 +4974,6 @@
               <a:rPr lang="es-ES" sz="2400" b="1" dirty="0" smtClean="0"/>
               <a:t>768x1024</a:t>
             </a:r>
-            <a:endParaRPr lang="es-ES" sz="2400" b="1" dirty="0" smtClean="0"/>
           </a:p>
         </p:txBody>
       </p:sp>
@@ -7022,15 +5303,7 @@
           <a:p>
             <a:r>
               <a:rPr lang="es-ES" dirty="0" smtClean="0"/>
-              <a:t>Escala 1px = </a:t>
-            </a:r>
-            <a:r>
-              <a:rPr lang="es-ES" dirty="0" smtClean="0"/>
-              <a:t>0,015 </a:t>
-            </a:r>
-            <a:r>
-              <a:rPr lang="es-ES" dirty="0" smtClean="0"/>
-              <a:t>cm</a:t>
+              <a:t>Escala 1px = 0,015 cm</a:t>
             </a:r>
             <a:endParaRPr lang="es-ES" dirty="0"/>
           </a:p>
@@ -7075,11 +5348,7 @@
               <a:pPr algn="ctr"/>
               <a:r>
                 <a:rPr lang="es-ES" sz="900" dirty="0" smtClean="0"/>
-                <a:t>Nombre </a:t>
-              </a:r>
-              <a:r>
-                <a:rPr lang="es-ES" sz="900" dirty="0" smtClean="0"/>
-                <a:t>Articulo</a:t>
+                <a:t>Nombre Articulo</a:t>
               </a:r>
             </a:p>
             <a:p>
@@ -7267,11 +5536,7 @@
               <a:pPr algn="ctr"/>
               <a:r>
                 <a:rPr lang="es-ES" sz="900" dirty="0" smtClean="0"/>
-                <a:t>Nombre </a:t>
-              </a:r>
-              <a:r>
-                <a:rPr lang="es-ES" sz="900" dirty="0" smtClean="0"/>
-                <a:t>Articulo</a:t>
+                <a:t>Nombre Articulo</a:t>
               </a:r>
             </a:p>
             <a:p>
@@ -7309,11 +5574,7 @@
               <a:pPr algn="ctr"/>
               <a:r>
                 <a:rPr lang="es-ES" sz="900" dirty="0" smtClean="0"/>
-                <a:t>Nombre </a:t>
-              </a:r>
-              <a:r>
-                <a:rPr lang="es-ES" sz="900" dirty="0" smtClean="0"/>
-                <a:t>Articulo</a:t>
+                <a:t>Nombre Articulo</a:t>
               </a:r>
             </a:p>
             <a:p>
@@ -7827,13 +6088,7 @@
               <a:rPr lang="es-ES" sz="1200" dirty="0" smtClean="0">
                 <a:sym typeface="Wingdings" panose="05000000000000000000" pitchFamily="2" charset="2"/>
               </a:rPr>
-              <a:t> </a:t>
-            </a:r>
-            <a:r>
-              <a:rPr lang="es-ES" sz="1200" dirty="0" smtClean="0">
-                <a:sym typeface="Wingdings" panose="05000000000000000000" pitchFamily="2" charset="2"/>
-              </a:rPr>
-              <a:t>Subcategoría</a:t>
+              <a:t> Subcategoría</a:t>
             </a:r>
             <a:endParaRPr lang="es-ES" sz="1200" dirty="0"/>
           </a:p>
@@ -8275,7 +6530,6 @@
               <a:rPr lang="es-ES" sz="2400" b="1" dirty="0" smtClean="0"/>
               <a:t>Carrito de compras</a:t>
             </a:r>
-            <a:endParaRPr lang="es-ES" sz="2400" b="1" dirty="0" smtClean="0"/>
           </a:p>
           <a:p>
             <a:pPr algn="ctr"/>
@@ -8283,7 +6537,6 @@
               <a:rPr lang="es-ES" sz="2400" b="1" dirty="0" smtClean="0"/>
               <a:t>768x1024</a:t>
             </a:r>
-            <a:endParaRPr lang="es-ES" sz="2400" b="1" dirty="0" smtClean="0"/>
           </a:p>
         </p:txBody>
       </p:sp>
@@ -8323,13 +6576,8 @@
             <a:pPr algn="ctr"/>
             <a:r>
               <a:rPr lang="es-ES" dirty="0" smtClean="0"/>
-              <a:t>Logo </a:t>
-            </a:r>
-            <a:r>
-              <a:rPr lang="es-ES" dirty="0" smtClean="0"/>
-              <a:t>Marca</a:t>
-            </a:r>
-            <a:endParaRPr lang="es-ES" dirty="0" smtClean="0"/>
+              <a:t>Logo Marca</a:t>
+            </a:r>
           </a:p>
         </p:txBody>
       </p:sp>
@@ -8579,15 +6827,7 @@
           <a:p>
             <a:r>
               <a:rPr lang="es-ES" dirty="0" smtClean="0"/>
-              <a:t>Escala 1px = </a:t>
-            </a:r>
-            <a:r>
-              <a:rPr lang="es-ES" dirty="0" smtClean="0"/>
-              <a:t>0,015 </a:t>
-            </a:r>
-            <a:r>
-              <a:rPr lang="es-ES" dirty="0" smtClean="0"/>
-              <a:t>cm</a:t>
+              <a:t>Escala 1px = 0,015 cm</a:t>
             </a:r>
             <a:endParaRPr lang="es-ES" dirty="0"/>
           </a:p>
@@ -8618,11 +6858,7 @@
             <a:pPr algn="ctr"/>
             <a:r>
               <a:rPr lang="es-ES" sz="900" dirty="0" smtClean="0"/>
-              <a:t>Nombre </a:t>
-            </a:r>
-            <a:r>
-              <a:rPr lang="es-ES" sz="900" dirty="0" smtClean="0"/>
-              <a:t>Articulo</a:t>
+              <a:t>Nombre Articulo</a:t>
             </a:r>
           </a:p>
           <a:p>
@@ -8808,11 +7044,7 @@
             <a:pPr algn="ctr"/>
             <a:r>
               <a:rPr lang="es-ES" sz="900" dirty="0" smtClean="0"/>
-              <a:t>Nombre </a:t>
-            </a:r>
-            <a:r>
-              <a:rPr lang="es-ES" sz="900" dirty="0" smtClean="0"/>
-              <a:t>Articulo</a:t>
+              <a:t>Nombre Articulo</a:t>
             </a:r>
           </a:p>
           <a:p>
@@ -8850,11 +7082,7 @@
             <a:pPr algn="ctr"/>
             <a:r>
               <a:rPr lang="es-ES" sz="900" dirty="0" smtClean="0"/>
-              <a:t>Nombre </a:t>
-            </a:r>
-            <a:r>
-              <a:rPr lang="es-ES" sz="900" dirty="0" smtClean="0"/>
-              <a:t>Articulo</a:t>
+              <a:t>Nombre Articulo</a:t>
             </a:r>
           </a:p>
           <a:p>
@@ -9176,7 +7404,6 @@
               <a:rPr lang="es-ES" sz="1600" dirty="0" smtClean="0"/>
               <a:t>Carrito de compra</a:t>
             </a:r>
-            <a:endParaRPr lang="es-ES" sz="1600" dirty="0" smtClean="0"/>
           </a:p>
         </p:txBody>
       </p:sp>
@@ -9266,13 +7493,8 @@
               <a:pPr algn="ctr"/>
               <a:r>
                 <a:rPr lang="es-ES" sz="1050" dirty="0" smtClean="0"/>
-                <a:t>$ </a:t>
+                <a:t>$ 0,00</a:t>
               </a:r>
-              <a:r>
-                <a:rPr lang="es-ES" sz="1050" dirty="0" smtClean="0"/>
-                <a:t>0,00</a:t>
-              </a:r>
-              <a:endParaRPr lang="es-ES" sz="1050" dirty="0" smtClean="0"/>
             </a:p>
           </p:txBody>
         </p:sp>
@@ -9602,13 +7824,8 @@
               <a:pPr algn="ctr"/>
               <a:r>
                 <a:rPr lang="es-ES" sz="1050" dirty="0" smtClean="0"/>
-                <a:t>$ </a:t>
+                <a:t>$ 0,00</a:t>
               </a:r>
-              <a:r>
-                <a:rPr lang="es-ES" sz="1050" dirty="0" smtClean="0"/>
-                <a:t>0,00</a:t>
-              </a:r>
-              <a:endParaRPr lang="es-ES" sz="1050" dirty="0" smtClean="0"/>
             </a:p>
           </p:txBody>
         </p:sp>
@@ -9730,13 +7947,8 @@
               <a:pPr algn="ctr"/>
               <a:r>
                 <a:rPr lang="es-ES" sz="1050" dirty="0" smtClean="0"/>
-                <a:t>$ </a:t>
+                <a:t>$ 0,00</a:t>
               </a:r>
-              <a:r>
-                <a:rPr lang="es-ES" sz="1050" dirty="0" smtClean="0"/>
-                <a:t>0,00</a:t>
-              </a:r>
-              <a:endParaRPr lang="es-ES" sz="1050" dirty="0" smtClean="0"/>
             </a:p>
           </p:txBody>
         </p:sp>
@@ -10066,13 +8278,8 @@
               <a:pPr algn="ctr"/>
               <a:r>
                 <a:rPr lang="es-ES" sz="1050" dirty="0" smtClean="0"/>
-                <a:t>$ </a:t>
+                <a:t>$ 0,00</a:t>
               </a:r>
-              <a:r>
-                <a:rPr lang="es-ES" sz="1050" dirty="0" smtClean="0"/>
-                <a:t>0,00</a:t>
-              </a:r>
-              <a:endParaRPr lang="es-ES" sz="1050" dirty="0" smtClean="0"/>
             </a:p>
           </p:txBody>
         </p:sp>
@@ -10194,13 +8401,8 @@
               <a:pPr algn="ctr"/>
               <a:r>
                 <a:rPr lang="es-ES" sz="1050" dirty="0" smtClean="0"/>
-                <a:t>$ </a:t>
+                <a:t>$ 0,00</a:t>
               </a:r>
-              <a:r>
-                <a:rPr lang="es-ES" sz="1050" dirty="0" smtClean="0"/>
-                <a:t>0,00</a:t>
-              </a:r>
-              <a:endParaRPr lang="es-ES" sz="1050" dirty="0" smtClean="0"/>
             </a:p>
           </p:txBody>
         </p:sp>
@@ -10530,13 +8732,8 @@
               <a:pPr algn="ctr"/>
               <a:r>
                 <a:rPr lang="es-ES" sz="1050" dirty="0" smtClean="0"/>
-                <a:t>$ </a:t>
+                <a:t>$ 0,00</a:t>
               </a:r>
-              <a:r>
-                <a:rPr lang="es-ES" sz="1050" dirty="0" smtClean="0"/>
-                <a:t>0,00</a:t>
-              </a:r>
-              <a:endParaRPr lang="es-ES" sz="1050" dirty="0" smtClean="0"/>
             </a:p>
           </p:txBody>
         </p:sp>
@@ -10676,13 +8873,8 @@
             <a:pPr algn="ctr"/>
             <a:r>
               <a:rPr lang="es-ES" sz="1050" dirty="0" smtClean="0"/>
-              <a:t>$ </a:t>
-            </a:r>
-            <a:r>
-              <a:rPr lang="es-ES" sz="1050" dirty="0" smtClean="0"/>
-              <a:t>0,00</a:t>
-            </a:r>
-            <a:endParaRPr lang="es-ES" sz="1050" dirty="0" smtClean="0"/>
+              <a:t>$ 0,00</a:t>
+            </a:r>
           </a:p>
         </p:txBody>
       </p:sp>
@@ -10759,13 +8951,8 @@
             <a:pPr algn="ctr"/>
             <a:r>
               <a:rPr lang="es-ES" sz="1050" dirty="0" smtClean="0"/>
-              <a:t>$ </a:t>
-            </a:r>
-            <a:r>
-              <a:rPr lang="es-ES" sz="1050" dirty="0" smtClean="0"/>
-              <a:t>0,00</a:t>
-            </a:r>
-            <a:endParaRPr lang="es-ES" sz="1050" dirty="0" smtClean="0"/>
+              <a:t>$ 0,00</a:t>
+            </a:r>
           </a:p>
         </p:txBody>
       </p:sp>
@@ -10883,11 +9070,7 @@
             <a:pPr algn="ctr"/>
             <a:r>
               <a:rPr lang="es-ES" sz="900" dirty="0" smtClean="0"/>
-              <a:t>Nombre </a:t>
-            </a:r>
-            <a:r>
-              <a:rPr lang="es-ES" sz="900" dirty="0" smtClean="0"/>
-              <a:t>Articulo</a:t>
+              <a:t>Nombre Articulo</a:t>
             </a:r>
           </a:p>
           <a:p>
@@ -11077,7 +9260,6 @@
               <a:rPr lang="es-ES" sz="2400" b="1" dirty="0" smtClean="0"/>
               <a:t>Formulario de registro</a:t>
             </a:r>
-            <a:endParaRPr lang="es-ES" sz="2400" b="1" dirty="0" smtClean="0"/>
           </a:p>
           <a:p>
             <a:pPr algn="ctr"/>
@@ -11085,7 +9267,6 @@
               <a:rPr lang="es-ES" sz="2400" b="1" dirty="0" smtClean="0"/>
               <a:t>768x1024</a:t>
             </a:r>
-            <a:endParaRPr lang="es-ES" sz="2400" b="1" dirty="0" smtClean="0"/>
           </a:p>
         </p:txBody>
       </p:sp>
@@ -11125,13 +9306,8 @@
             <a:pPr algn="ctr"/>
             <a:r>
               <a:rPr lang="es-ES" dirty="0" smtClean="0"/>
-              <a:t>Logo </a:t>
-            </a:r>
-            <a:r>
-              <a:rPr lang="es-ES" dirty="0" smtClean="0"/>
-              <a:t>Marca</a:t>
-            </a:r>
-            <a:endParaRPr lang="es-ES" dirty="0" smtClean="0"/>
+              <a:t>Logo Marca</a:t>
+            </a:r>
           </a:p>
         </p:txBody>
       </p:sp>
@@ -11381,15 +9557,7 @@
           <a:p>
             <a:r>
               <a:rPr lang="es-ES" dirty="0" smtClean="0"/>
-              <a:t>Escala 1px = </a:t>
-            </a:r>
-            <a:r>
-              <a:rPr lang="es-ES" dirty="0" smtClean="0"/>
-              <a:t>0,015 </a:t>
-            </a:r>
-            <a:r>
-              <a:rPr lang="es-ES" dirty="0" smtClean="0"/>
-              <a:t>cm</a:t>
+              <a:t>Escala 1px = 0,015 cm</a:t>
             </a:r>
             <a:endParaRPr lang="es-ES" dirty="0"/>
           </a:p>
@@ -12143,7 +10311,6 @@
               <a:rPr lang="es-ES" sz="2400" b="1" dirty="0" smtClean="0"/>
               <a:t>768x1024</a:t>
             </a:r>
-            <a:endParaRPr lang="es-ES" sz="2400" b="1" dirty="0" smtClean="0"/>
           </a:p>
         </p:txBody>
       </p:sp>
@@ -12183,13 +10350,8 @@
             <a:pPr algn="ctr"/>
             <a:r>
               <a:rPr lang="es-ES" dirty="0" smtClean="0"/>
-              <a:t>Logo </a:t>
-            </a:r>
-            <a:r>
-              <a:rPr lang="es-ES" dirty="0" smtClean="0"/>
-              <a:t>Marca</a:t>
-            </a:r>
-            <a:endParaRPr lang="es-ES" dirty="0" smtClean="0"/>
+              <a:t>Logo Marca</a:t>
+            </a:r>
           </a:p>
         </p:txBody>
       </p:sp>
@@ -12439,15 +10601,7 @@
           <a:p>
             <a:r>
               <a:rPr lang="es-ES" dirty="0" smtClean="0"/>
-              <a:t>Escala 1px = </a:t>
-            </a:r>
-            <a:r>
-              <a:rPr lang="es-ES" dirty="0" smtClean="0"/>
-              <a:t>0,015 </a:t>
-            </a:r>
-            <a:r>
-              <a:rPr lang="es-ES" dirty="0" smtClean="0"/>
-              <a:t>cm</a:t>
+              <a:t>Escala 1px = 0,015 cm</a:t>
             </a:r>
             <a:endParaRPr lang="es-ES" dirty="0"/>
           </a:p>
@@ -12802,7 +10956,6 @@
               <a:rPr lang="es-ES" sz="1600" dirty="0" smtClean="0"/>
               <a:t>Contraseña</a:t>
             </a:r>
-            <a:endParaRPr lang="es-ES" sz="1600" dirty="0" smtClean="0"/>
           </a:p>
         </p:txBody>
       </p:sp>
@@ -13106,7 +11259,6 @@
               <a:rPr lang="es-ES" sz="2400" b="1" dirty="0" smtClean="0"/>
               <a:t>Actualizar datos</a:t>
             </a:r>
-            <a:endParaRPr lang="es-ES" sz="2400" b="1" dirty="0" smtClean="0"/>
           </a:p>
           <a:p>
             <a:pPr algn="ctr"/>
@@ -13114,7 +11266,6 @@
               <a:rPr lang="es-ES" sz="2400" b="1" dirty="0" smtClean="0"/>
               <a:t>768x1024</a:t>
             </a:r>
-            <a:endParaRPr lang="es-ES" sz="2400" b="1" dirty="0" smtClean="0"/>
           </a:p>
         </p:txBody>
       </p:sp>
@@ -13154,13 +11305,8 @@
             <a:pPr algn="ctr"/>
             <a:r>
               <a:rPr lang="es-ES" dirty="0" smtClean="0"/>
-              <a:t>Logo </a:t>
-            </a:r>
-            <a:r>
-              <a:rPr lang="es-ES" dirty="0" smtClean="0"/>
-              <a:t>Marca</a:t>
-            </a:r>
-            <a:endParaRPr lang="es-ES" dirty="0" smtClean="0"/>
+              <a:t>Logo Marca</a:t>
+            </a:r>
           </a:p>
         </p:txBody>
       </p:sp>
@@ -13410,15 +11556,7 @@
           <a:p>
             <a:r>
               <a:rPr lang="es-ES" dirty="0" smtClean="0"/>
-              <a:t>Escala 1px = </a:t>
-            </a:r>
-            <a:r>
-              <a:rPr lang="es-ES" dirty="0" smtClean="0"/>
-              <a:t>0,015 </a:t>
-            </a:r>
-            <a:r>
-              <a:rPr lang="es-ES" dirty="0" smtClean="0"/>
-              <a:t>cm</a:t>
+              <a:t>Escala 1px = 0,015 cm</a:t>
             </a:r>
             <a:endParaRPr lang="es-ES" dirty="0"/>
           </a:p>
@@ -13843,7 +11981,6 @@
               <a:rPr lang="es-ES" sz="1600" dirty="0" smtClean="0"/>
               <a:t>Nueva contraseña</a:t>
             </a:r>
-            <a:endParaRPr lang="es-ES" sz="1600" dirty="0" smtClean="0"/>
           </a:p>
         </p:txBody>
       </p:sp>
@@ -13886,13 +12023,8 @@
             <a:pPr algn="ctr"/>
             <a:r>
               <a:rPr lang="es-ES" sz="1600" dirty="0" smtClean="0"/>
-              <a:t>Repita </a:t>
-            </a:r>
-            <a:r>
-              <a:rPr lang="es-ES" sz="1600" dirty="0" smtClean="0"/>
-              <a:t>nueva contraseña</a:t>
-            </a:r>
-            <a:endParaRPr lang="es-ES" sz="1600" dirty="0" smtClean="0"/>
+              <a:t>Repita nueva contraseña</a:t>
+            </a:r>
           </a:p>
         </p:txBody>
       </p:sp>
@@ -13968,7 +12100,6 @@
               <a:rPr lang="es-ES" sz="1600" dirty="0" smtClean="0"/>
               <a:t>Contraseña actual</a:t>
             </a:r>
-            <a:endParaRPr lang="es-ES" sz="1600" dirty="0" smtClean="0"/>
           </a:p>
         </p:txBody>
       </p:sp>
@@ -14211,7 +12342,6 @@
               <a:rPr lang="es-ES" sz="2400" b="1" dirty="0" smtClean="0"/>
               <a:t>Historial de pedidos</a:t>
             </a:r>
-            <a:endParaRPr lang="es-ES" sz="2400" b="1" dirty="0" smtClean="0"/>
           </a:p>
           <a:p>
             <a:pPr algn="ctr"/>
@@ -14219,7 +12349,6 @@
               <a:rPr lang="es-ES" sz="2400" b="1" dirty="0" smtClean="0"/>
               <a:t>768x1024</a:t>
             </a:r>
-            <a:endParaRPr lang="es-ES" sz="2400" b="1" dirty="0" smtClean="0"/>
           </a:p>
         </p:txBody>
       </p:sp>
@@ -14259,13 +12388,8 @@
             <a:pPr algn="ctr"/>
             <a:r>
               <a:rPr lang="es-ES" dirty="0" smtClean="0"/>
-              <a:t>Logo </a:t>
-            </a:r>
-            <a:r>
-              <a:rPr lang="es-ES" dirty="0" smtClean="0"/>
-              <a:t>Marca</a:t>
-            </a:r>
-            <a:endParaRPr lang="es-ES" dirty="0" smtClean="0"/>
+              <a:t>Logo Marca</a:t>
+            </a:r>
           </a:p>
         </p:txBody>
       </p:sp>
@@ -14515,15 +12639,7 @@
           <a:p>
             <a:r>
               <a:rPr lang="es-ES" dirty="0" smtClean="0"/>
-              <a:t>Escala 1px = </a:t>
-            </a:r>
-            <a:r>
-              <a:rPr lang="es-ES" dirty="0" smtClean="0"/>
-              <a:t>0,015 </a:t>
-            </a:r>
-            <a:r>
-              <a:rPr lang="es-ES" dirty="0" smtClean="0"/>
-              <a:t>cm</a:t>
+              <a:t>Escala 1px = 0,015 cm</a:t>
             </a:r>
             <a:endParaRPr lang="es-ES" dirty="0"/>
           </a:p>
@@ -14554,11 +12670,7 @@
             <a:pPr algn="ctr"/>
             <a:r>
               <a:rPr lang="es-ES" sz="900" dirty="0" smtClean="0"/>
-              <a:t>Nombre </a:t>
-            </a:r>
-            <a:r>
-              <a:rPr lang="es-ES" sz="900" dirty="0" smtClean="0"/>
-              <a:t>Articulo</a:t>
+              <a:t>Nombre Articulo</a:t>
             </a:r>
           </a:p>
           <a:p>
@@ -14744,11 +12856,7 @@
             <a:pPr algn="ctr"/>
             <a:r>
               <a:rPr lang="es-ES" sz="900" dirty="0" smtClean="0"/>
-              <a:t>Nombre </a:t>
-            </a:r>
-            <a:r>
-              <a:rPr lang="es-ES" sz="900" dirty="0" smtClean="0"/>
-              <a:t>Articulo</a:t>
+              <a:t>Nombre Articulo</a:t>
             </a:r>
           </a:p>
           <a:p>
@@ -14786,11 +12894,7 @@
             <a:pPr algn="ctr"/>
             <a:r>
               <a:rPr lang="es-ES" sz="900" dirty="0" smtClean="0"/>
-              <a:t>Nombre </a:t>
-            </a:r>
-            <a:r>
-              <a:rPr lang="es-ES" sz="900" dirty="0" smtClean="0"/>
-              <a:t>Articulo</a:t>
+              <a:t>Nombre Articulo</a:t>
             </a:r>
           </a:p>
           <a:p>
@@ -15050,7 +13154,6 @@
               <a:rPr lang="es-ES" sz="1600" dirty="0" smtClean="0"/>
               <a:t>Historial de pedidos</a:t>
             </a:r>
-            <a:endParaRPr lang="es-ES" sz="1600" dirty="0" smtClean="0"/>
           </a:p>
         </p:txBody>
       </p:sp>
@@ -15137,11 +13240,7 @@
             <a:pPr algn="ctr"/>
             <a:r>
               <a:rPr lang="es-ES" sz="900" dirty="0" smtClean="0"/>
-              <a:t>Nombre </a:t>
-            </a:r>
-            <a:r>
-              <a:rPr lang="es-ES" sz="900" dirty="0" smtClean="0"/>
-              <a:t>Articulo</a:t>
+              <a:t>Nombre Articulo</a:t>
             </a:r>
           </a:p>
           <a:p>
@@ -16107,7 +14206,6 @@
               <a:rPr lang="es-ES" sz="2400" b="1" dirty="0" smtClean="0"/>
               <a:t>Ver pedido</a:t>
             </a:r>
-            <a:endParaRPr lang="es-ES" sz="2400" b="1" dirty="0" smtClean="0"/>
           </a:p>
           <a:p>
             <a:pPr algn="ctr"/>
@@ -16115,7 +14213,6 @@
               <a:rPr lang="es-ES" sz="2400" b="1" dirty="0" smtClean="0"/>
               <a:t>768x1024</a:t>
             </a:r>
-            <a:endParaRPr lang="es-ES" sz="2400" b="1" dirty="0" smtClean="0"/>
           </a:p>
         </p:txBody>
       </p:sp>
@@ -16155,13 +14252,8 @@
             <a:pPr algn="ctr"/>
             <a:r>
               <a:rPr lang="es-ES" dirty="0" smtClean="0"/>
-              <a:t>Logo </a:t>
-            </a:r>
-            <a:r>
-              <a:rPr lang="es-ES" dirty="0" smtClean="0"/>
-              <a:t>Marca</a:t>
-            </a:r>
-            <a:endParaRPr lang="es-ES" dirty="0" smtClean="0"/>
+              <a:t>Logo Marca</a:t>
+            </a:r>
           </a:p>
         </p:txBody>
       </p:sp>
@@ -16411,15 +14503,7 @@
           <a:p>
             <a:r>
               <a:rPr lang="es-ES" dirty="0" smtClean="0"/>
-              <a:t>Escala 1px = </a:t>
-            </a:r>
-            <a:r>
-              <a:rPr lang="es-ES" dirty="0" smtClean="0"/>
-              <a:t>0,015 </a:t>
-            </a:r>
-            <a:r>
-              <a:rPr lang="es-ES" dirty="0" smtClean="0"/>
-              <a:t>cm</a:t>
+              <a:t>Escala 1px = 0,015 cm</a:t>
             </a:r>
             <a:endParaRPr lang="es-ES" dirty="0"/>
           </a:p>
@@ -18247,7 +16331,6 @@
               <a:rPr lang="es-ES" sz="2400" b="1" dirty="0" smtClean="0"/>
               <a:t>Mensajes</a:t>
             </a:r>
-            <a:endParaRPr lang="es-ES" sz="2400" b="1" dirty="0" smtClean="0"/>
           </a:p>
           <a:p>
             <a:pPr algn="ctr"/>
@@ -18255,7 +16338,6 @@
               <a:rPr lang="es-ES" sz="2400" b="1" dirty="0" smtClean="0"/>
               <a:t>768x1024</a:t>
             </a:r>
-            <a:endParaRPr lang="es-ES" sz="2400" b="1" dirty="0" smtClean="0"/>
           </a:p>
         </p:txBody>
       </p:sp>
@@ -18295,13 +16377,8 @@
             <a:pPr algn="ctr"/>
             <a:r>
               <a:rPr lang="es-ES" dirty="0" smtClean="0"/>
-              <a:t>Logo </a:t>
-            </a:r>
-            <a:r>
-              <a:rPr lang="es-ES" dirty="0" smtClean="0"/>
-              <a:t>Marca</a:t>
-            </a:r>
-            <a:endParaRPr lang="es-ES" dirty="0" smtClean="0"/>
+              <a:t>Logo Marca</a:t>
+            </a:r>
           </a:p>
         </p:txBody>
       </p:sp>
@@ -18551,15 +16628,7 @@
           <a:p>
             <a:r>
               <a:rPr lang="es-ES" dirty="0" smtClean="0"/>
-              <a:t>Escala 1px = </a:t>
-            </a:r>
-            <a:r>
-              <a:rPr lang="es-ES" dirty="0" smtClean="0"/>
-              <a:t>0,015 </a:t>
-            </a:r>
-            <a:r>
-              <a:rPr lang="es-ES" dirty="0" smtClean="0"/>
-              <a:t>cm</a:t>
+              <a:t>Escala 1px = 0,015 cm</a:t>
             </a:r>
             <a:endParaRPr lang="es-ES" dirty="0"/>
           </a:p>
@@ -18861,13 +16930,8 @@
             <a:pPr algn="ctr"/>
             <a:r>
               <a:rPr lang="es-ES" dirty="0" smtClean="0"/>
-              <a:t>Logo </a:t>
-            </a:r>
-            <a:r>
-              <a:rPr lang="es-ES" dirty="0" smtClean="0"/>
-              <a:t>Marca</a:t>
-            </a:r>
-            <a:endParaRPr lang="es-ES" dirty="0" smtClean="0"/>
+              <a:t>Logo Marca</a:t>
+            </a:r>
           </a:p>
         </p:txBody>
       </p:sp>
@@ -19392,11 +17456,7 @@
             <a:pPr algn="ctr"/>
             <a:r>
               <a:rPr lang="es-ES" sz="900" dirty="0" smtClean="0"/>
-              <a:t>Nombre </a:t>
-            </a:r>
-            <a:r>
-              <a:rPr lang="es-ES" sz="900" dirty="0" smtClean="0"/>
-              <a:t>Articulo</a:t>
+              <a:t>Nombre Articulo</a:t>
             </a:r>
           </a:p>
           <a:p>
@@ -19582,11 +17642,7 @@
             <a:pPr algn="ctr"/>
             <a:r>
               <a:rPr lang="es-ES" sz="900" dirty="0" smtClean="0"/>
-              <a:t>Nombre </a:t>
-            </a:r>
-            <a:r>
-              <a:rPr lang="es-ES" sz="900" dirty="0" smtClean="0"/>
-              <a:t>Articulo</a:t>
+              <a:t>Nombre Articulo</a:t>
             </a:r>
           </a:p>
           <a:p>
@@ -19624,11 +17680,7 @@
             <a:pPr algn="ctr"/>
             <a:r>
               <a:rPr lang="es-ES" sz="900" dirty="0" smtClean="0"/>
-              <a:t>Nombre </a:t>
-            </a:r>
-            <a:r>
-              <a:rPr lang="es-ES" sz="900" dirty="0" smtClean="0"/>
-              <a:t>Articulo</a:t>
+              <a:t>Nombre Articulo</a:t>
             </a:r>
           </a:p>
           <a:p>
@@ -19790,11 +17842,7 @@
             <a:pPr algn="ctr"/>
             <a:r>
               <a:rPr lang="es-ES" sz="900" dirty="0" smtClean="0"/>
-              <a:t>Nombre </a:t>
-            </a:r>
-            <a:r>
-              <a:rPr lang="es-ES" sz="900" dirty="0" smtClean="0"/>
-              <a:t>Articulo</a:t>
+              <a:t>Nombre Articulo</a:t>
             </a:r>
           </a:p>
           <a:p>
@@ -19965,11 +18013,7 @@
             <a:pPr algn="ctr"/>
             <a:r>
               <a:rPr lang="es-ES" sz="900" dirty="0" smtClean="0"/>
-              <a:t>Nombre </a:t>
-            </a:r>
-            <a:r>
-              <a:rPr lang="es-ES" sz="900" dirty="0" smtClean="0"/>
-              <a:t>Articulo</a:t>
+              <a:t>Nombre Articulo</a:t>
             </a:r>
           </a:p>
           <a:p>
@@ -20155,11 +18199,7 @@
             <a:pPr algn="ctr"/>
             <a:r>
               <a:rPr lang="es-ES" sz="900" dirty="0" smtClean="0"/>
-              <a:t>Nombre </a:t>
-            </a:r>
-            <a:r>
-              <a:rPr lang="es-ES" sz="900" dirty="0" smtClean="0"/>
-              <a:t>Articulo</a:t>
+              <a:t>Nombre Articulo</a:t>
             </a:r>
           </a:p>
           <a:p>
@@ -20197,11 +18237,7 @@
             <a:pPr algn="ctr"/>
             <a:r>
               <a:rPr lang="es-ES" sz="900" dirty="0" smtClean="0"/>
-              <a:t>Nombre </a:t>
-            </a:r>
-            <a:r>
-              <a:rPr lang="es-ES" sz="900" dirty="0" smtClean="0"/>
-              <a:t>Articulo</a:t>
+              <a:t>Nombre Articulo</a:t>
             </a:r>
           </a:p>
           <a:p>
@@ -20363,11 +18399,7 @@
             <a:pPr algn="ctr"/>
             <a:r>
               <a:rPr lang="es-ES" sz="900" dirty="0" smtClean="0"/>
-              <a:t>Nombre </a:t>
-            </a:r>
-            <a:r>
-              <a:rPr lang="es-ES" sz="900" dirty="0" smtClean="0"/>
-              <a:t>Articulo</a:t>
+              <a:t>Nombre Articulo</a:t>
             </a:r>
           </a:p>
           <a:p>
